--- a/Jeonghyun_CodeReview.pptx
+++ b/Jeonghyun_CodeReview.pptx
@@ -244,7 +244,7 @@
           <a:p>
             <a:fld id="{D92FA0C3-903F-4DD4-9420-CFFA3F5C6C77}" type="datetimeFigureOut">
               <a:rPr lang="ko-KR" altLang="en-US" smtClean="0"/>
-              <a:t>2022-12-08</a:t>
+              <a:t>2022-12-09</a:t>
             </a:fld>
             <a:endParaRPr lang="ko-KR" altLang="en-US"/>
           </a:p>
@@ -414,7 +414,7 @@
           <a:p>
             <a:fld id="{D92FA0C3-903F-4DD4-9420-CFFA3F5C6C77}" type="datetimeFigureOut">
               <a:rPr lang="ko-KR" altLang="en-US" smtClean="0"/>
-              <a:t>2022-12-08</a:t>
+              <a:t>2022-12-09</a:t>
             </a:fld>
             <a:endParaRPr lang="ko-KR" altLang="en-US"/>
           </a:p>
@@ -594,7 +594,7 @@
           <a:p>
             <a:fld id="{D92FA0C3-903F-4DD4-9420-CFFA3F5C6C77}" type="datetimeFigureOut">
               <a:rPr lang="ko-KR" altLang="en-US" smtClean="0"/>
-              <a:t>2022-12-08</a:t>
+              <a:t>2022-12-09</a:t>
             </a:fld>
             <a:endParaRPr lang="ko-KR" altLang="en-US"/>
           </a:p>
@@ -764,7 +764,7 @@
           <a:p>
             <a:fld id="{D92FA0C3-903F-4DD4-9420-CFFA3F5C6C77}" type="datetimeFigureOut">
               <a:rPr lang="ko-KR" altLang="en-US" smtClean="0"/>
-              <a:t>2022-12-08</a:t>
+              <a:t>2022-12-09</a:t>
             </a:fld>
             <a:endParaRPr lang="ko-KR" altLang="en-US"/>
           </a:p>
@@ -1010,7 +1010,7 @@
           <a:p>
             <a:fld id="{D92FA0C3-903F-4DD4-9420-CFFA3F5C6C77}" type="datetimeFigureOut">
               <a:rPr lang="ko-KR" altLang="en-US" smtClean="0"/>
-              <a:t>2022-12-08</a:t>
+              <a:t>2022-12-09</a:t>
             </a:fld>
             <a:endParaRPr lang="ko-KR" altLang="en-US"/>
           </a:p>
@@ -1242,7 +1242,7 @@
           <a:p>
             <a:fld id="{D92FA0C3-903F-4DD4-9420-CFFA3F5C6C77}" type="datetimeFigureOut">
               <a:rPr lang="ko-KR" altLang="en-US" smtClean="0"/>
-              <a:t>2022-12-08</a:t>
+              <a:t>2022-12-09</a:t>
             </a:fld>
             <a:endParaRPr lang="ko-KR" altLang="en-US"/>
           </a:p>
@@ -1609,7 +1609,7 @@
           <a:p>
             <a:fld id="{D92FA0C3-903F-4DD4-9420-CFFA3F5C6C77}" type="datetimeFigureOut">
               <a:rPr lang="ko-KR" altLang="en-US" smtClean="0"/>
-              <a:t>2022-12-08</a:t>
+              <a:t>2022-12-09</a:t>
             </a:fld>
             <a:endParaRPr lang="ko-KR" altLang="en-US"/>
           </a:p>
@@ -1727,7 +1727,7 @@
           <a:p>
             <a:fld id="{D92FA0C3-903F-4DD4-9420-CFFA3F5C6C77}" type="datetimeFigureOut">
               <a:rPr lang="ko-KR" altLang="en-US" smtClean="0"/>
-              <a:t>2022-12-08</a:t>
+              <a:t>2022-12-09</a:t>
             </a:fld>
             <a:endParaRPr lang="ko-KR" altLang="en-US"/>
           </a:p>
@@ -1822,7 +1822,7 @@
           <a:p>
             <a:fld id="{D92FA0C3-903F-4DD4-9420-CFFA3F5C6C77}" type="datetimeFigureOut">
               <a:rPr lang="ko-KR" altLang="en-US" smtClean="0"/>
-              <a:t>2022-12-08</a:t>
+              <a:t>2022-12-09</a:t>
             </a:fld>
             <a:endParaRPr lang="ko-KR" altLang="en-US"/>
           </a:p>
@@ -2099,7 +2099,7 @@
           <a:p>
             <a:fld id="{D92FA0C3-903F-4DD4-9420-CFFA3F5C6C77}" type="datetimeFigureOut">
               <a:rPr lang="ko-KR" altLang="en-US" smtClean="0"/>
-              <a:t>2022-12-08</a:t>
+              <a:t>2022-12-09</a:t>
             </a:fld>
             <a:endParaRPr lang="ko-KR" altLang="en-US"/>
           </a:p>
@@ -2352,7 +2352,7 @@
           <a:p>
             <a:fld id="{D92FA0C3-903F-4DD4-9420-CFFA3F5C6C77}" type="datetimeFigureOut">
               <a:rPr lang="ko-KR" altLang="en-US" smtClean="0"/>
-              <a:t>2022-12-08</a:t>
+              <a:t>2022-12-09</a:t>
             </a:fld>
             <a:endParaRPr lang="ko-KR" altLang="en-US"/>
           </a:p>
@@ -2565,7 +2565,7 @@
           <a:p>
             <a:fld id="{D92FA0C3-903F-4DD4-9420-CFFA3F5C6C77}" type="datetimeFigureOut">
               <a:rPr lang="ko-KR" altLang="en-US" smtClean="0"/>
-              <a:t>2022-12-08</a:t>
+              <a:t>2022-12-09</a:t>
             </a:fld>
             <a:endParaRPr lang="ko-KR" altLang="en-US"/>
           </a:p>
@@ -3081,26 +3081,10 @@
                   </a:outerShdw>
                 </a:effectLst>
               </a:rPr>
-              <a:t>Mission </a:t>
-            </a:r>
-            <a:r>
-              <a:rPr lang="en-US" altLang="ko-KR" b="1" dirty="0" smtClean="0">
-                <a:ln w="0"/>
-                <a:solidFill>
-                  <a:schemeClr val="tx1"/>
-                </a:solidFill>
-                <a:effectLst>
-                  <a:outerShdw blurRad="38100" dist="19050" dir="2700000" algn="tl" rotWithShape="0">
-                    <a:schemeClr val="dk1">
-                      <a:alpha val="40000"/>
-                    </a:schemeClr>
-                  </a:outerShdw>
-                </a:effectLst>
-              </a:rPr>
-              <a:t>06) </a:t>
-            </a:r>
-            <a:r>
-              <a:rPr lang="ko-KR" altLang="en-US" b="1" dirty="0" smtClean="0">
+              <a:t>Mission 06) </a:t>
+            </a:r>
+            <a:r>
+              <a:rPr lang="ko-KR" altLang="en-US" b="1" dirty="0">
                 <a:ln w="0"/>
                 <a:solidFill>
                   <a:schemeClr val="tx1"/>
@@ -3116,23 +3100,7 @@
               <a:t>회원 가입 </a:t>
             </a:r>
             <a:r>
-              <a:rPr lang="en-US" altLang="ko-KR" b="1" dirty="0" smtClean="0">
-                <a:ln w="0"/>
-                <a:solidFill>
-                  <a:schemeClr val="tx1"/>
-                </a:solidFill>
-                <a:effectLst>
-                  <a:outerShdw blurRad="38100" dist="19050" dir="2700000" algn="tl" rotWithShape="0">
-                    <a:schemeClr val="dk1">
-                      <a:alpha val="40000"/>
-                    </a:schemeClr>
-                  </a:outerShdw>
-                </a:effectLst>
-              </a:rPr>
-              <a:t>signup </a:t>
-            </a:r>
-            <a:r>
-              <a:rPr lang="ko-KR" altLang="en-US" b="1" dirty="0" err="1" smtClean="0">
+              <a:rPr lang="ko-KR" altLang="en-US" b="1" dirty="0" err="1">
                 <a:ln w="0"/>
                 <a:solidFill>
                   <a:schemeClr val="tx1"/>
@@ -3148,20 +3116,52 @@
               <a:t>반응형</a:t>
             </a:r>
             <a:r>
-              <a:rPr lang="ko-KR" altLang="en-US" b="1" dirty="0" smtClean="0">
-                <a:ln w="0"/>
-                <a:solidFill>
-                  <a:schemeClr val="tx1"/>
-                </a:solidFill>
-                <a:effectLst>
-                  <a:outerShdw blurRad="38100" dist="19050" dir="2700000" algn="tl" rotWithShape="0">
-                    <a:schemeClr val="dk1">
-                      <a:alpha val="40000"/>
-                    </a:schemeClr>
-                  </a:outerShdw>
-                </a:effectLst>
-              </a:rPr>
-              <a:t> 웹 페이지 제작</a:t>
+              <a:rPr lang="ko-KR" altLang="en-US" b="1" dirty="0">
+                <a:ln w="0"/>
+                <a:solidFill>
+                  <a:schemeClr val="tx1"/>
+                </a:solidFill>
+                <a:effectLst>
+                  <a:outerShdw blurRad="38100" dist="19050" dir="2700000" algn="tl" rotWithShape="0">
+                    <a:schemeClr val="dk1">
+                      <a:alpha val="40000"/>
+                    </a:schemeClr>
+                  </a:outerShdw>
+                </a:effectLst>
+              </a:rPr>
+              <a:t> 웹 페이지 제작 </a:t>
+            </a:r>
+            <a:r>
+              <a:rPr lang="en-US" altLang="ko-KR" b="1" dirty="0">
+                <a:ln w="0"/>
+                <a:solidFill>
+                  <a:schemeClr val="tx1"/>
+                </a:solidFill>
+                <a:effectLst>
+                  <a:outerShdw blurRad="38100" dist="19050" dir="2700000" algn="tl" rotWithShape="0">
+                    <a:schemeClr val="dk1">
+                      <a:alpha val="40000"/>
+                    </a:schemeClr>
+                  </a:outerShdw>
+                </a:effectLst>
+              </a:rPr>
+              <a:t>with </a:t>
+            </a:r>
+            <a:r>
+              <a:rPr lang="en-US" altLang="ko-KR" b="1" dirty="0" err="1">
+                <a:ln w="0"/>
+                <a:solidFill>
+                  <a:schemeClr val="tx1"/>
+                </a:solidFill>
+                <a:effectLst>
+                  <a:outerShdw blurRad="38100" dist="19050" dir="2700000" algn="tl" rotWithShape="0">
+                    <a:schemeClr val="dk1">
+                      <a:alpha val="40000"/>
+                    </a:schemeClr>
+                  </a:outerShdw>
+                </a:effectLst>
+              </a:rPr>
+              <a:t>Git_Github</a:t>
             </a:r>
             <a:endParaRPr lang="ko-KR" altLang="en-US" b="1" dirty="0">
               <a:ln w="0"/>
@@ -3908,23 +3908,7 @@
                   </a:outerShdw>
                 </a:effectLst>
               </a:rPr>
-              <a:t>jQuery  </a:t>
-            </a:r>
-            <a:r>
-              <a:rPr lang="en-US" altLang="ko-KR" b="1" dirty="0" smtClean="0">
-                <a:ln w="0"/>
-                <a:solidFill>
-                  <a:schemeClr val="tx1"/>
-                </a:solidFill>
-                <a:effectLst>
-                  <a:outerShdw blurRad="38100" dist="19050" dir="2700000" algn="tl" rotWithShape="0">
-                    <a:schemeClr val="dk1">
-                      <a:alpha val="40000"/>
-                    </a:schemeClr>
-                  </a:outerShdw>
-                </a:effectLst>
-              </a:rPr>
-              <a:t>Animate() </a:t>
+              <a:t>jQuery  Animate() </a:t>
             </a:r>
             <a:r>
               <a:rPr lang="ko-KR" altLang="en-US" b="1" dirty="0" smtClean="0">
@@ -4466,23 +4450,7 @@
                   </a:outerShdw>
                 </a:effectLst>
               </a:rPr>
-              <a:t>Mission </a:t>
-            </a:r>
-            <a:r>
-              <a:rPr lang="en-US" altLang="ko-KR" b="1" dirty="0" smtClean="0">
-                <a:ln w="0"/>
-                <a:solidFill>
-                  <a:schemeClr val="tx1"/>
-                </a:solidFill>
-                <a:effectLst>
-                  <a:outerShdw blurRad="38100" dist="19050" dir="2700000" algn="tl" rotWithShape="0">
-                    <a:schemeClr val="dk1">
-                      <a:alpha val="40000"/>
-                    </a:schemeClr>
-                  </a:outerShdw>
-                </a:effectLst>
-              </a:rPr>
-              <a:t>06) </a:t>
+              <a:t>Mission 06) </a:t>
             </a:r>
             <a:r>
               <a:rPr lang="ko-KR" altLang="en-US" b="1" dirty="0">
@@ -4501,6 +4469,38 @@
               <a:t>회원 가입 </a:t>
             </a:r>
             <a:r>
+              <a:rPr lang="ko-KR" altLang="en-US" b="1" dirty="0" err="1">
+                <a:ln w="0"/>
+                <a:solidFill>
+                  <a:schemeClr val="tx1"/>
+                </a:solidFill>
+                <a:effectLst>
+                  <a:outerShdw blurRad="38100" dist="19050" dir="2700000" algn="tl" rotWithShape="0">
+                    <a:schemeClr val="dk1">
+                      <a:alpha val="40000"/>
+                    </a:schemeClr>
+                  </a:outerShdw>
+                </a:effectLst>
+              </a:rPr>
+              <a:t>반응형</a:t>
+            </a:r>
+            <a:r>
+              <a:rPr lang="ko-KR" altLang="en-US" b="1" dirty="0">
+                <a:ln w="0"/>
+                <a:solidFill>
+                  <a:schemeClr val="tx1"/>
+                </a:solidFill>
+                <a:effectLst>
+                  <a:outerShdw blurRad="38100" dist="19050" dir="2700000" algn="tl" rotWithShape="0">
+                    <a:schemeClr val="dk1">
+                      <a:alpha val="40000"/>
+                    </a:schemeClr>
+                  </a:outerShdw>
+                </a:effectLst>
+              </a:rPr>
+              <a:t> 웹 페이지 제작 </a:t>
+            </a:r>
+            <a:r>
               <a:rPr lang="en-US" altLang="ko-KR" b="1" dirty="0">
                 <a:ln w="0"/>
                 <a:solidFill>
@@ -4514,39 +4514,23 @@
                   </a:outerShdw>
                 </a:effectLst>
               </a:rPr>
-              <a:t>signup </a:t>
-            </a:r>
-            <a:r>
-              <a:rPr lang="ko-KR" altLang="en-US" b="1" dirty="0" err="1">
-                <a:ln w="0"/>
-                <a:solidFill>
-                  <a:schemeClr val="tx1"/>
-                </a:solidFill>
-                <a:effectLst>
-                  <a:outerShdw blurRad="38100" dist="19050" dir="2700000" algn="tl" rotWithShape="0">
-                    <a:schemeClr val="dk1">
-                      <a:alpha val="40000"/>
-                    </a:schemeClr>
-                  </a:outerShdw>
-                </a:effectLst>
-              </a:rPr>
-              <a:t>반응형</a:t>
-            </a:r>
-            <a:r>
-              <a:rPr lang="ko-KR" altLang="en-US" b="1" dirty="0">
-                <a:ln w="0"/>
-                <a:solidFill>
-                  <a:schemeClr val="tx1"/>
-                </a:solidFill>
-                <a:effectLst>
-                  <a:outerShdw blurRad="38100" dist="19050" dir="2700000" algn="tl" rotWithShape="0">
-                    <a:schemeClr val="dk1">
-                      <a:alpha val="40000"/>
-                    </a:schemeClr>
-                  </a:outerShdw>
-                </a:effectLst>
-              </a:rPr>
-              <a:t> 웹 페이지 제작</a:t>
+              <a:t>with </a:t>
+            </a:r>
+            <a:r>
+              <a:rPr lang="en-US" altLang="ko-KR" b="1" dirty="0" err="1">
+                <a:ln w="0"/>
+                <a:solidFill>
+                  <a:schemeClr val="tx1"/>
+                </a:solidFill>
+                <a:effectLst>
+                  <a:outerShdw blurRad="38100" dist="19050" dir="2700000" algn="tl" rotWithShape="0">
+                    <a:schemeClr val="dk1">
+                      <a:alpha val="40000"/>
+                    </a:schemeClr>
+                  </a:outerShdw>
+                </a:effectLst>
+              </a:rPr>
+              <a:t>Git_Github</a:t>
             </a:r>
             <a:endParaRPr lang="ko-KR" altLang="en-US" b="1" dirty="0">
               <a:ln w="0"/>
@@ -4656,23 +4640,7 @@
                   </a:outerShdw>
                 </a:effectLst>
               </a:rPr>
-              <a:t> </a:t>
-            </a:r>
-            <a:r>
-              <a:rPr lang="en-US" altLang="ko-KR" sz="2000" b="1" dirty="0" smtClean="0">
-                <a:ln w="0"/>
-                <a:solidFill>
-                  <a:schemeClr val="tx1"/>
-                </a:solidFill>
-                <a:effectLst>
-                  <a:outerShdw blurRad="38100" dist="19050" dir="2700000" algn="tl" rotWithShape="0">
-                    <a:schemeClr val="dk1">
-                      <a:alpha val="40000"/>
-                    </a:schemeClr>
-                  </a:outerShdw>
-                </a:effectLst>
-              </a:rPr>
-              <a:t>bootstrap</a:t>
+              <a:t> bootstrap</a:t>
             </a:r>
             <a:r>
               <a:rPr lang="ko-KR" altLang="en-US" sz="2000" b="1" dirty="0" smtClean="0">
@@ -5373,23 +5341,7 @@
                   </a:outerShdw>
                 </a:effectLst>
               </a:rPr>
-              <a:t>class   </a:t>
-            </a:r>
-            <a:r>
-              <a:rPr lang="en-US" altLang="ko-KR" b="1" dirty="0" smtClean="0">
-                <a:ln w="0"/>
-                <a:solidFill>
-                  <a:schemeClr val="tx1"/>
-                </a:solidFill>
-                <a:effectLst>
-                  <a:outerShdw blurRad="38100" dist="19050" dir="2700000" algn="tl" rotWithShape="0">
-                    <a:schemeClr val="dk1">
-                      <a:alpha val="40000"/>
-                    </a:schemeClr>
-                  </a:outerShdw>
-                </a:effectLst>
-              </a:rPr>
-              <a:t>table, table-border </a:t>
+              <a:t>class   table, table-border </a:t>
             </a:r>
             <a:endParaRPr lang="ko-KR" altLang="en-US" b="1" dirty="0">
               <a:ln w="0"/>
@@ -5848,7 +5800,7 @@
       </p:pic>
       <p:pic>
         <p:nvPicPr>
-          <p:cNvPr id="5" name="그림 4"/>
+          <p:cNvPr id="8" name="그림 7"/>
           <p:cNvPicPr>
             <a:picLocks noChangeAspect="1"/>
           </p:cNvPicPr>
@@ -5856,30 +5808,6 @@
         </p:nvPicPr>
         <p:blipFill>
           <a:blip r:embed="rId3"/>
-          <a:stretch>
-            <a:fillRect/>
-          </a:stretch>
-        </p:blipFill>
-        <p:spPr>
-          <a:xfrm>
-            <a:off x="570735" y="4608744"/>
-            <a:ext cx="3820058" cy="495369"/>
-          </a:xfrm>
-          <a:prstGeom prst="rect">
-            <a:avLst/>
-          </a:prstGeom>
-        </p:spPr>
-      </p:pic>
-      <p:pic>
-        <p:nvPicPr>
-          <p:cNvPr id="8" name="그림 7"/>
-          <p:cNvPicPr>
-            <a:picLocks noChangeAspect="1"/>
-          </p:cNvPicPr>
-          <p:nvPr/>
-        </p:nvPicPr>
-        <p:blipFill>
-          <a:blip r:embed="rId4"/>
           <a:stretch>
             <a:fillRect/>
           </a:stretch>
@@ -5903,7 +5831,7 @@
           <p:nvPr/>
         </p:nvPicPr>
         <p:blipFill>
-          <a:blip r:embed="rId5"/>
+          <a:blip r:embed="rId4"/>
           <a:stretch>
             <a:fillRect/>
           </a:stretch>
@@ -5966,6 +5894,30 @@
           </a:p>
         </p:txBody>
       </p:sp>
+      <p:pic>
+        <p:nvPicPr>
+          <p:cNvPr id="7" name="그림 6"/>
+          <p:cNvPicPr>
+            <a:picLocks noChangeAspect="1"/>
+          </p:cNvPicPr>
+          <p:nvPr/>
+        </p:nvPicPr>
+        <p:blipFill>
+          <a:blip r:embed="rId5"/>
+          <a:stretch>
+            <a:fillRect/>
+          </a:stretch>
+        </p:blipFill>
+        <p:spPr>
+          <a:xfrm>
+            <a:off x="570735" y="4578501"/>
+            <a:ext cx="5039428" cy="457264"/>
+          </a:xfrm>
+          <a:prstGeom prst="rect">
+            <a:avLst/>
+          </a:prstGeom>
+        </p:spPr>
+      </p:pic>
     </p:spTree>
     <p:extLst>
       <p:ext uri="{BB962C8B-B14F-4D97-AF65-F5344CB8AC3E}">
